--- a/doc/ProjectArchitecture.pptx
+++ b/doc/ProjectArchitecture.pptx
@@ -113,6 +113,11 @@
       </a:defRPr>
     </a:lvl9pPr>
   </p:defaultTextStyle>
+  <p:extLst>
+    <p:ext uri="{EFAFB233-063F-42B5-8137-9DF3F51BA10A}">
+      <p15:sldGuideLst xmlns:p15="http://schemas.microsoft.com/office/powerpoint/2012/main"/>
+    </p:ext>
+  </p:extLst>
 </p:presentation>
 </file>
 
@@ -4832,6 +4837,42 @@
           </a:prstGeom>
         </p:spPr>
       </p:pic>
+      <p:pic>
+        <p:nvPicPr>
+          <p:cNvPr id="6" name="Picture 5" descr="Diagram&#10;&#10;Description automatically generated">
+            <a:extLst>
+              <a:ext uri="{FF2B5EF4-FFF2-40B4-BE49-F238E27FC236}">
+                <a16:creationId xmlns:a16="http://schemas.microsoft.com/office/drawing/2014/main" id="{3E269476-0336-A7BA-70CB-006D463F366E}"/>
+              </a:ext>
+            </a:extLst>
+          </p:cNvPr>
+          <p:cNvPicPr>
+            <a:picLocks noChangeAspect="1"/>
+          </p:cNvPicPr>
+          <p:nvPr/>
+        </p:nvPicPr>
+        <p:blipFill>
+          <a:blip r:embed="rId3">
+            <a:extLst>
+              <a:ext uri="{28A0092B-C50C-407E-A947-70E740481C1C}">
+                <a14:useLocalDpi xmlns:a14="http://schemas.microsoft.com/office/drawing/2010/main" val="0"/>
+              </a:ext>
+            </a:extLst>
+          </a:blip>
+          <a:stretch>
+            <a:fillRect/>
+          </a:stretch>
+        </p:blipFill>
+        <p:spPr>
+          <a:xfrm>
+            <a:off x="9398116" y="357365"/>
+            <a:ext cx="2581236" cy="2085654"/>
+          </a:xfrm>
+          <a:prstGeom prst="rect">
+            <a:avLst/>
+          </a:prstGeom>
+        </p:spPr>
+      </p:pic>
     </p:spTree>
     <p:extLst>
       <p:ext uri="{BB962C8B-B14F-4D97-AF65-F5344CB8AC3E}">
@@ -5500,12 +5541,12 @@
         <p:spPr>
           <a:xfrm>
             <a:off x="762000" y="2286000"/>
-            <a:ext cx="5334000" cy="3810001"/>
+            <a:ext cx="4197927" cy="2969491"/>
           </a:xfrm>
         </p:spPr>
         <p:txBody>
           <a:bodyPr>
-            <a:normAutofit/>
+            <a:normAutofit fontScale="92500"/>
           </a:bodyPr>
           <a:lstStyle/>
           <a:p>
@@ -5513,15 +5554,15 @@
               <a:buNone/>
             </a:pPr>
             <a:r>
-              <a:rPr lang="en-US" sz="1500" dirty="0"/>
+              <a:rPr lang="en-US" sz="1200" dirty="0"/>
               <a:t>Here importing the xlsx file using </a:t>
             </a:r>
             <a:r>
-              <a:rPr lang="en-US" sz="1500" dirty="0" err="1"/>
+              <a:rPr lang="en-US" sz="1200" dirty="0" err="1"/>
               <a:t>openpyxl</a:t>
             </a:r>
             <a:r>
-              <a:rPr lang="en-US" sz="1500" dirty="0"/>
+              <a:rPr lang="en-US" sz="1200" dirty="0"/>
               <a:t> created an iterator in Python which is used to create a General Data array that has an array of the data from each row in the file.</a:t>
             </a:r>
           </a:p>
@@ -5530,7 +5571,7 @@
               <a:buNone/>
             </a:pPr>
             <a:r>
-              <a:rPr lang="en-US" sz="1500" dirty="0"/>
+              <a:rPr lang="en-US" sz="1200" dirty="0"/>
               <a:t>The Data is then sorted by building name so each index has an array of floor data. </a:t>
             </a:r>
           </a:p>
@@ -5539,7 +5580,7 @@
               <a:buNone/>
             </a:pPr>
             <a:r>
-              <a:rPr lang="en-US" sz="1500" dirty="0"/>
+              <a:rPr lang="en-US" sz="1200" dirty="0"/>
               <a:t>Then by iterating through the array of arrays we instantiate an array of floors which are then instantiated into Building Objects. </a:t>
             </a:r>
           </a:p>
@@ -5548,22 +5589,22 @@
               <a:buNone/>
             </a:pPr>
             <a:r>
-              <a:rPr lang="en-US" sz="1500" dirty="0"/>
+              <a:rPr lang="en-US" sz="1200" dirty="0"/>
               <a:t>Here the </a:t>
             </a:r>
             <a:r>
-              <a:rPr lang="en-US" sz="1500" dirty="0" err="1"/>
+              <a:rPr lang="en-US" sz="1200" dirty="0" err="1"/>
               <a:t>allvars</a:t>
             </a:r>
             <a:r>
-              <a:rPr lang="en-US" sz="1500" dirty="0"/>
+              <a:rPr lang="en-US" sz="1200" dirty="0"/>
               <a:t> functions dynamically allocates variable names so that each Object didn’t have to be made </a:t>
             </a:r>
             <a:r>
-              <a:rPr lang="en-US" sz="1500" dirty="0" err="1"/>
+              <a:rPr lang="en-US" sz="1200" dirty="0" err="1"/>
               <a:t>seperately</a:t>
             </a:r>
-            <a:endParaRPr lang="en-US" sz="1500" dirty="0"/>
+            <a:endParaRPr lang="en-US" sz="1200" dirty="0"/>
           </a:p>
           <a:p>
             <a:pPr marL="0" indent="0">
@@ -5602,7 +5643,7 @@
           <a:lstStyle/>
           <a:p>
             <a:r>
-              <a:rPr lang="en-US" sz="3200"/>
+              <a:rPr lang="en-US" sz="3200" dirty="0"/>
               <a:t>Excel to Python</a:t>
             </a:r>
           </a:p>
@@ -5630,7 +5671,7 @@
         </p:blipFill>
         <p:spPr>
           <a:xfrm>
-            <a:off x="7256318" y="549104"/>
+            <a:off x="6325273" y="1799431"/>
             <a:ext cx="3775364" cy="3095798"/>
           </a:xfrm>
           <a:prstGeom prst="rect">
@@ -5640,10 +5681,10 @@
       </p:pic>
       <p:pic>
         <p:nvPicPr>
-          <p:cNvPr id="13" name="Picture 12">
-            <a:extLst>
-              <a:ext uri="{FF2B5EF4-FFF2-40B4-BE49-F238E27FC236}">
-                <a16:creationId xmlns:a16="http://schemas.microsoft.com/office/drawing/2014/main" id="{293B8A20-AB2F-2140-64CF-94BBC3C40BC6}"/>
+          <p:cNvPr id="5" name="Picture 4" descr="Diagram&#10;&#10;Description automatically generated">
+            <a:extLst>
+              <a:ext uri="{FF2B5EF4-FFF2-40B4-BE49-F238E27FC236}">
+                <a16:creationId xmlns:a16="http://schemas.microsoft.com/office/drawing/2014/main" id="{AF11917E-3180-5DE5-8E4D-FD6E54C09233}"/>
               </a:ext>
             </a:extLst>
           </p:cNvPr>
@@ -5653,15 +5694,51 @@
           <p:nvPr/>
         </p:nvPicPr>
         <p:blipFill>
-          <a:blip r:embed="rId3"/>
+          <a:blip r:embed="rId3">
+            <a:extLst>
+              <a:ext uri="{28A0092B-C50C-407E-A947-70E740481C1C}">
+                <a14:useLocalDpi xmlns:a14="http://schemas.microsoft.com/office/drawing/2010/main" val="0"/>
+              </a:ext>
+            </a:extLst>
+          </a:blip>
           <a:stretch>
             <a:fillRect/>
           </a:stretch>
         </p:blipFill>
         <p:spPr>
           <a:xfrm>
-            <a:off x="6487882" y="3810000"/>
-            <a:ext cx="5146467" cy="2514951"/>
+            <a:off x="9101678" y="0"/>
+            <a:ext cx="3090322" cy="4861357"/>
+          </a:xfrm>
+          <a:prstGeom prst="rect">
+            <a:avLst/>
+          </a:prstGeom>
+        </p:spPr>
+      </p:pic>
+      <p:pic>
+        <p:nvPicPr>
+          <p:cNvPr id="13" name="Picture 12">
+            <a:extLst>
+              <a:ext uri="{FF2B5EF4-FFF2-40B4-BE49-F238E27FC236}">
+                <a16:creationId xmlns:a16="http://schemas.microsoft.com/office/drawing/2014/main" id="{293B8A20-AB2F-2140-64CF-94BBC3C40BC6}"/>
+              </a:ext>
+            </a:extLst>
+          </p:cNvPr>
+          <p:cNvPicPr>
+            <a:picLocks noChangeAspect="1"/>
+          </p:cNvPicPr>
+          <p:nvPr/>
+        </p:nvPicPr>
+        <p:blipFill>
+          <a:blip r:embed="rId4"/>
+          <a:stretch>
+            <a:fillRect/>
+          </a:stretch>
+        </p:blipFill>
+        <p:spPr>
+          <a:xfrm>
+            <a:off x="7930510" y="4805020"/>
+            <a:ext cx="4235770" cy="2069916"/>
           </a:xfrm>
           <a:prstGeom prst="rect">
             <a:avLst/>
@@ -5851,9 +5928,10 @@
           <a:lstStyle/>
           <a:p>
             <a:r>
-              <a:rPr lang="en-US" dirty="0"/>
+              <a:rPr lang="en-US"/>
               <a:t>HTML</a:t>
             </a:r>
+            <a:endParaRPr lang="en-US" dirty="0"/>
           </a:p>
         </p:txBody>
       </p:sp>
@@ -5889,7 +5967,7 @@
               <a:buNone/>
             </a:pPr>
             <a:r>
-              <a:rPr lang="en-US" sz="1400" dirty="0"/>
+              <a:rPr lang="en-US" sz="1400"/>
               <a:t>Stored in the Templates Directory, The Flask code previously described read in html files for each webpage.</a:t>
             </a:r>
           </a:p>
@@ -5898,7 +5976,7 @@
               <a:buNone/>
             </a:pPr>
             <a:r>
-              <a:rPr lang="en-US" sz="1400" dirty="0"/>
+              <a:rPr lang="en-US" sz="1400"/>
               <a:t>In order to generalize our Html File for each Building webpage utilized a for loop and fed lists into the File to account for the varying amount of floors in each Building. </a:t>
             </a:r>
           </a:p>
@@ -5932,7 +6010,7 @@
         </p:blipFill>
         <p:spPr>
           <a:xfrm>
-            <a:off x="8891216" y="318654"/>
+            <a:off x="8615507" y="559812"/>
             <a:ext cx="2377148" cy="3635229"/>
           </a:xfrm>
           <a:prstGeom prst="rect">
@@ -5962,8 +6040,44 @@
         </p:blipFill>
         <p:spPr>
           <a:xfrm>
-            <a:off x="5006256" y="4397229"/>
+            <a:off x="5484453" y="4015331"/>
             <a:ext cx="6262108" cy="2129811"/>
+          </a:xfrm>
+          <a:prstGeom prst="rect">
+            <a:avLst/>
+          </a:prstGeom>
+        </p:spPr>
+      </p:pic>
+      <p:pic>
+        <p:nvPicPr>
+          <p:cNvPr id="6" name="Picture 5" descr="Text, letter&#10;&#10;Description automatically generated">
+            <a:extLst>
+              <a:ext uri="{FF2B5EF4-FFF2-40B4-BE49-F238E27FC236}">
+                <a16:creationId xmlns:a16="http://schemas.microsoft.com/office/drawing/2014/main" id="{52ABF465-DB49-B1FD-E77D-08B2CB75B7D7}"/>
+              </a:ext>
+            </a:extLst>
+          </p:cNvPr>
+          <p:cNvPicPr>
+            <a:picLocks noChangeAspect="1"/>
+          </p:cNvPicPr>
+          <p:nvPr/>
+        </p:nvPicPr>
+        <p:blipFill>
+          <a:blip r:embed="rId4">
+            <a:extLst>
+              <a:ext uri="{28A0092B-C50C-407E-A947-70E740481C1C}">
+                <a14:useLocalDpi xmlns:a14="http://schemas.microsoft.com/office/drawing/2010/main" val="0"/>
+              </a:ext>
+            </a:extLst>
+          </a:blip>
+          <a:stretch>
+            <a:fillRect/>
+          </a:stretch>
+        </p:blipFill>
+        <p:spPr>
+          <a:xfrm>
+            <a:off x="6316807" y="2020197"/>
+            <a:ext cx="2298700" cy="1995134"/>
           </a:xfrm>
           <a:prstGeom prst="rect">
             <a:avLst/>
@@ -6010,10 +6124,10 @@
       </p:grpSpPr>
       <p:sp useBgFill="1">
         <p:nvSpPr>
-          <p:cNvPr id="10" name="Rectangle 9">
-            <a:extLst>
-              <a:ext uri="{FF2B5EF4-FFF2-40B4-BE49-F238E27FC236}">
-                <a16:creationId xmlns:a16="http://schemas.microsoft.com/office/drawing/2014/main" id="{987A0FBA-CC04-4256-A8EB-BB3C543E989C}"/>
+          <p:cNvPr id="17" name="Rectangle 16">
+            <a:extLst>
+              <a:ext uri="{FF2B5EF4-FFF2-40B4-BE49-F238E27FC236}">
+                <a16:creationId xmlns:a16="http://schemas.microsoft.com/office/drawing/2014/main" id="{075615F8-B807-416B-8DBB-536E4371AA51}"/>
               </a:ext>
               <a:ext uri="{C183D7F6-B498-43B3-948B-1728B52AA6E4}">
                 <adec:decorative xmlns:adec="http://schemas.microsoft.com/office/drawing/2017/decorative" val="1"/>
@@ -6084,92 +6198,294 @@
           </a:p>
         </p:txBody>
       </p:sp>
-      <p:pic>
-        <p:nvPicPr>
-          <p:cNvPr id="5" name="Picture 4">
-            <a:extLst>
-              <a:ext uri="{FF2B5EF4-FFF2-40B4-BE49-F238E27FC236}">
-                <a16:creationId xmlns:a16="http://schemas.microsoft.com/office/drawing/2014/main" id="{3C52F6C3-8567-0861-AC9F-D75CF10E55E3}"/>
-              </a:ext>
-            </a:extLst>
-          </p:cNvPr>
-          <p:cNvPicPr>
-            <a:picLocks noChangeAspect="1"/>
-          </p:cNvPicPr>
-          <p:nvPr/>
-        </p:nvPicPr>
-        <p:blipFill rotWithShape="1">
-          <a:blip r:embed="rId2"/>
-          <a:srcRect l="815" r="3534" b="3"/>
-          <a:stretch/>
-        </p:blipFill>
+      <p:sp>
+        <p:nvSpPr>
+          <p:cNvPr id="3" name="Content Placeholder 2">
+            <a:extLst>
+              <a:ext uri="{FF2B5EF4-FFF2-40B4-BE49-F238E27FC236}">
+                <a16:creationId xmlns:a16="http://schemas.microsoft.com/office/drawing/2014/main" id="{10C93D3F-978D-A34D-EA73-C78AE5145125}"/>
+              </a:ext>
+            </a:extLst>
+          </p:cNvPr>
+          <p:cNvSpPr>
+            <a:spLocks noGrp="1"/>
+          </p:cNvSpPr>
+          <p:nvPr>
+            <p:ph idx="1"/>
+          </p:nvPr>
+        </p:nvSpPr>
         <p:spPr>
           <a:xfrm>
-            <a:off x="6613174" y="10"/>
-            <a:ext cx="5578824" cy="6028246"/>
+            <a:off x="762000" y="3056083"/>
+            <a:ext cx="3810000" cy="3048000"/>
+          </a:xfrm>
+        </p:spPr>
+        <p:txBody>
+          <a:bodyPr>
+            <a:normAutofit/>
+          </a:bodyPr>
+          <a:lstStyle/>
+          <a:p>
+            <a:pPr marL="0" indent="0">
+              <a:lnSpc>
+                <a:spcPct val="115000"/>
+              </a:lnSpc>
+              <a:buNone/>
+            </a:pPr>
+            <a:r>
+              <a:rPr lang="en-US" sz="2000"/>
+              <a:t>Ultimately, Once running the Application using:</a:t>
+            </a:r>
+          </a:p>
+          <a:p>
+            <a:pPr marL="0" indent="0">
+              <a:lnSpc>
+                <a:spcPct val="115000"/>
+              </a:lnSpc>
+              <a:buNone/>
+            </a:pPr>
+            <a:r>
+              <a:rPr lang="en-US" sz="2000"/>
+              <a:t>flask –app main run</a:t>
+            </a:r>
+          </a:p>
+          <a:p>
+            <a:pPr marL="0" indent="0">
+              <a:lnSpc>
+                <a:spcPct val="115000"/>
+              </a:lnSpc>
+              <a:buNone/>
+            </a:pPr>
+            <a:r>
+              <a:rPr lang="en-US" sz="2000"/>
+              <a:t>And  then clicking the link you are then sent to Our home page and able to navigate around to each building.</a:t>
+            </a:r>
+          </a:p>
+          <a:p>
+            <a:pPr marL="0" indent="0">
+              <a:lnSpc>
+                <a:spcPct val="115000"/>
+              </a:lnSpc>
+              <a:buNone/>
+            </a:pPr>
+            <a:endParaRPr lang="en-US" sz="2000"/>
+          </a:p>
+        </p:txBody>
+      </p:sp>
+      <p:sp>
+        <p:nvSpPr>
+          <p:cNvPr id="19" name="Freeform: Shape 18">
+            <a:extLst>
+              <a:ext uri="{FF2B5EF4-FFF2-40B4-BE49-F238E27FC236}">
+                <a16:creationId xmlns:a16="http://schemas.microsoft.com/office/drawing/2014/main" id="{97028D78-CF60-4861-994F-297E70E6EA36}"/>
+              </a:ext>
+              <a:ext uri="{C183D7F6-B498-43B3-948B-1728B52AA6E4}">
+                <adec:decorative xmlns:adec="http://schemas.microsoft.com/office/drawing/2017/decorative" val="1"/>
+              </a:ext>
+            </a:extLst>
+          </p:cNvPr>
+          <p:cNvSpPr>
+            <a:spLocks noGrp="1" noRot="1" noChangeAspect="1" noMove="1" noResize="1" noEditPoints="1" noAdjustHandles="1" noChangeArrowheads="1" noChangeShapeType="1" noTextEdit="1"/>
+          </p:cNvSpPr>
+          <p:nvPr>
+            <p:extLst>
+              <p:ext uri="{386F3935-93C4-4BCD-93E2-E3B085C9AB24}">
+                <p16:designElem xmlns:p16="http://schemas.microsoft.com/office/powerpoint/2015/main" val="1"/>
+              </p:ext>
+            </p:extLst>
+          </p:nvPr>
+        </p:nvSpPr>
+        <p:spPr>
+          <a:xfrm>
+            <a:off x="5900898" y="1431448"/>
+            <a:ext cx="4006507" cy="5426994"/>
           </a:xfrm>
           <a:custGeom>
             <a:avLst/>
-            <a:gdLst/>
+            <a:gdLst>
+              <a:gd name="connsiteX0" fmla="*/ 2857958 w 4006507"/>
+              <a:gd name="connsiteY0" fmla="*/ 67 h 5426994"/>
+              <a:gd name="connsiteX1" fmla="*/ 3458885 w 4006507"/>
+              <a:gd name="connsiteY1" fmla="*/ 123390 h 5426994"/>
+              <a:gd name="connsiteX2" fmla="*/ 3963390 w 4006507"/>
+              <a:gd name="connsiteY2" fmla="*/ 955979 h 5426994"/>
+              <a:gd name="connsiteX3" fmla="*/ 3433549 w 4006507"/>
+              <a:gd name="connsiteY3" fmla="*/ 2042884 h 5426994"/>
+              <a:gd name="connsiteX4" fmla="*/ 2311892 w 4006507"/>
+              <a:gd name="connsiteY4" fmla="*/ 3929089 h 5426994"/>
+              <a:gd name="connsiteX5" fmla="*/ 1244372 w 4006507"/>
+              <a:gd name="connsiteY5" fmla="*/ 5405901 h 5426994"/>
+              <a:gd name="connsiteX6" fmla="*/ 1223208 w 4006507"/>
+              <a:gd name="connsiteY6" fmla="*/ 5426994 h 5426994"/>
+              <a:gd name="connsiteX7" fmla="*/ 132933 w 4006507"/>
+              <a:gd name="connsiteY7" fmla="*/ 5426994 h 5426994"/>
+              <a:gd name="connsiteX8" fmla="*/ 121677 w 4006507"/>
+              <a:gd name="connsiteY8" fmla="*/ 5377139 h 5426994"/>
+              <a:gd name="connsiteX9" fmla="*/ 891 w 4006507"/>
+              <a:gd name="connsiteY9" fmla="*/ 3205484 h 5426994"/>
+              <a:gd name="connsiteX10" fmla="*/ 121242 w 4006507"/>
+              <a:gd name="connsiteY10" fmla="*/ 2494264 h 5426994"/>
+              <a:gd name="connsiteX11" fmla="*/ 731705 w 4006507"/>
+              <a:gd name="connsiteY11" fmla="*/ 1504120 h 5426994"/>
+              <a:gd name="connsiteX12" fmla="*/ 1648739 w 4006507"/>
+              <a:gd name="connsiteY12" fmla="*/ 574777 h 5426994"/>
+              <a:gd name="connsiteX13" fmla="*/ 2857958 w 4006507"/>
+              <a:gd name="connsiteY13" fmla="*/ 67 h 5426994"/>
+            </a:gdLst>
             <a:ahLst/>
-            <a:cxnLst/>
+            <a:cxnLst>
+              <a:cxn ang="0">
+                <a:pos x="connsiteX0" y="connsiteY0"/>
+              </a:cxn>
+              <a:cxn ang="0">
+                <a:pos x="connsiteX1" y="connsiteY1"/>
+              </a:cxn>
+              <a:cxn ang="0">
+                <a:pos x="connsiteX2" y="connsiteY2"/>
+              </a:cxn>
+              <a:cxn ang="0">
+                <a:pos x="connsiteX3" y="connsiteY3"/>
+              </a:cxn>
+              <a:cxn ang="0">
+                <a:pos x="connsiteX4" y="connsiteY4"/>
+              </a:cxn>
+              <a:cxn ang="0">
+                <a:pos x="connsiteX5" y="connsiteY5"/>
+              </a:cxn>
+              <a:cxn ang="0">
+                <a:pos x="connsiteX6" y="connsiteY6"/>
+              </a:cxn>
+              <a:cxn ang="0">
+                <a:pos x="connsiteX7" y="connsiteY7"/>
+              </a:cxn>
+              <a:cxn ang="0">
+                <a:pos x="connsiteX8" y="connsiteY8"/>
+              </a:cxn>
+              <a:cxn ang="0">
+                <a:pos x="connsiteX9" y="connsiteY9"/>
+              </a:cxn>
+              <a:cxn ang="0">
+                <a:pos x="connsiteX10" y="connsiteY10"/>
+              </a:cxn>
+              <a:cxn ang="0">
+                <a:pos x="connsiteX11" y="connsiteY11"/>
+              </a:cxn>
+              <a:cxn ang="0">
+                <a:pos x="connsiteX12" y="connsiteY12"/>
+              </a:cxn>
+              <a:cxn ang="0">
+                <a:pos x="connsiteX13" y="connsiteY13"/>
+              </a:cxn>
+            </a:cxnLst>
             <a:rect l="l" t="t" r="r" b="b"/>
             <a:pathLst>
-              <a:path w="5578824" h="6028256">
+              <a:path w="4006507" h="5426994">
                 <a:moveTo>
-                  <a:pt x="1681218" y="0"/>
+                  <a:pt x="2857958" y="67"/>
                 </a:moveTo>
+                <a:cubicBezTo>
+                  <a:pt x="3066227" y="2186"/>
+                  <a:pt x="3261966" y="55011"/>
+                  <a:pt x="3458885" y="123390"/>
+                </a:cubicBezTo>
+                <a:cubicBezTo>
+                  <a:pt x="3810457" y="245536"/>
+                  <a:pt x="4123732" y="364068"/>
+                  <a:pt x="3963390" y="955979"/>
+                </a:cubicBezTo>
+                <a:cubicBezTo>
+                  <a:pt x="3867494" y="1310116"/>
+                  <a:pt x="3647859" y="1682576"/>
+                  <a:pt x="3433549" y="2042884"/>
+                </a:cubicBezTo>
+                <a:cubicBezTo>
+                  <a:pt x="3059665" y="2671619"/>
+                  <a:pt x="2685777" y="3300355"/>
+                  <a:pt x="2311892" y="3929089"/>
+                </a:cubicBezTo>
+                <a:cubicBezTo>
+                  <a:pt x="2037268" y="4390860"/>
+                  <a:pt x="1633498" y="4992125"/>
+                  <a:pt x="1244372" y="5405901"/>
+                </a:cubicBezTo>
                 <a:lnTo>
-                  <a:pt x="5578824" y="0"/>
+                  <a:pt x="1223208" y="5426994"/>
                 </a:lnTo>
                 <a:lnTo>
-                  <a:pt x="5578824" y="5760161"/>
+                  <a:pt x="132933" y="5426994"/>
                 </a:lnTo>
                 <a:lnTo>
-                  <a:pt x="5441231" y="5804042"/>
+                  <a:pt x="121677" y="5377139"/>
                 </a:lnTo>
                 <a:cubicBezTo>
-                  <a:pt x="5079089" y="5907589"/>
-                  <a:pt x="4674877" y="5944442"/>
-                  <a:pt x="4253224" y="5980388"/>
+                  <a:pt x="3003" y="4741566"/>
+                  <a:pt x="23178" y="3907188"/>
+                  <a:pt x="891" y="3205484"/>
                 </a:cubicBezTo>
                 <a:cubicBezTo>
-                  <a:pt x="2813852" y="6102970"/>
-                  <a:pt x="1551586" y="6071494"/>
-                  <a:pt x="837278" y="4877588"/>
+                  <a:pt x="-6931" y="2960136"/>
+                  <a:pt x="37062" y="2723722"/>
+                  <a:pt x="121242" y="2494264"/>
                 </a:cubicBezTo>
                 <a:cubicBezTo>
-                  <a:pt x="529862" y="4363935"/>
-                  <a:pt x="255162" y="3847185"/>
-                  <a:pt x="109626" y="3329255"/>
+                  <a:pt x="247446" y="2150220"/>
+                  <a:pt x="464027" y="1822104"/>
+                  <a:pt x="731705" y="1504120"/>
                 </a:cubicBezTo>
                 <a:cubicBezTo>
-                  <a:pt x="-35907" y="2811325"/>
-                  <a:pt x="-52277" y="2292214"/>
-                  <a:pt x="156962" y="1773839"/>
+                  <a:pt x="999382" y="1186136"/>
+                  <a:pt x="1318156" y="878286"/>
+                  <a:pt x="1648739" y="574777"/>
                 </a:cubicBezTo>
                 <a:cubicBezTo>
-                  <a:pt x="296494" y="1428108"/>
-                  <a:pt x="536161" y="1082881"/>
-                  <a:pt x="904890" y="738354"/>
-                </a:cubicBezTo>
-                <a:cubicBezTo>
-                  <a:pt x="1036690" y="615181"/>
-                  <a:pt x="1169968" y="488910"/>
-                  <a:pt x="1304592" y="360545"/>
+                  <a:pt x="2128924" y="133855"/>
+                  <a:pt x="2510843" y="-3465"/>
+                  <a:pt x="2857958" y="67"/>
                 </a:cubicBezTo>
                 <a:close/>
               </a:path>
             </a:pathLst>
           </a:custGeom>
+          <a:solidFill>
+            <a:schemeClr val="accent6"/>
+          </a:solidFill>
+          <a:ln>
+            <a:noFill/>
+          </a:ln>
         </p:spPr>
-      </p:pic>
-      <p:sp>
-        <p:nvSpPr>
-          <p:cNvPr id="12" name="Freeform: Shape 11">
-            <a:extLst>
-              <a:ext uri="{FF2B5EF4-FFF2-40B4-BE49-F238E27FC236}">
-                <a16:creationId xmlns:a16="http://schemas.microsoft.com/office/drawing/2014/main" id="{3362A0EA-3E81-4464-94B8-70BE5870EDC0}"/>
+        <p:style>
+          <a:lnRef idx="2">
+            <a:schemeClr val="accent1">
+              <a:shade val="50000"/>
+            </a:schemeClr>
+          </a:lnRef>
+          <a:fillRef idx="1">
+            <a:schemeClr val="accent1"/>
+          </a:fillRef>
+          <a:effectRef idx="0">
+            <a:schemeClr val="accent1"/>
+          </a:effectRef>
+          <a:fontRef idx="minor">
+            <a:schemeClr val="lt1"/>
+          </a:fontRef>
+        </p:style>
+        <p:txBody>
+          <a:bodyPr wrap="square" rtlCol="0" anchor="ctr">
+            <a:noAutofit/>
+          </a:bodyPr>
+          <a:lstStyle/>
+          <a:p>
+            <a:pPr algn="ctr"/>
+            <a:endParaRPr lang="en-US"/>
+          </a:p>
+        </p:txBody>
+      </p:sp>
+      <p:sp>
+        <p:nvSpPr>
+          <p:cNvPr id="21" name="Freeform: Shape 20">
+            <a:extLst>
+              <a:ext uri="{FF2B5EF4-FFF2-40B4-BE49-F238E27FC236}">
+                <a16:creationId xmlns:a16="http://schemas.microsoft.com/office/drawing/2014/main" id="{7C42F23C-D8FA-4310-812E-D57E72B69711}"/>
               </a:ext>
               <a:ext uri="{C183D7F6-B498-43B3-948B-1728B52AA6E4}">
                 <adec:decorative xmlns:adec="http://schemas.microsoft.com/office/drawing/2017/decorative" val="1"/>
@@ -6188,59 +6504,29 @@
           </p:nvPr>
         </p:nvSpPr>
         <p:spPr>
-          <a:xfrm flipH="1">
-            <a:off x="6487883" y="0"/>
-            <a:ext cx="5704117" cy="6096000"/>
+          <a:xfrm>
+            <a:off x="8384818" y="4407329"/>
+            <a:ext cx="3045183" cy="1999293"/>
           </a:xfrm>
           <a:custGeom>
             <a:avLst/>
             <a:gdLst>
-              <a:gd name="connsiteX0" fmla="*/ 0 w 5704117"/>
-              <a:gd name="connsiteY0" fmla="*/ 0 h 6096000"/>
-              <a:gd name="connsiteX1" fmla="*/ 4562795 w 5704117"/>
-              <a:gd name="connsiteY1" fmla="*/ 0 h 6096000"/>
-              <a:gd name="connsiteX2" fmla="*/ 4721192 w 5704117"/>
-              <a:gd name="connsiteY2" fmla="*/ 133595 h 6096000"/>
-              <a:gd name="connsiteX3" fmla="*/ 5467522 w 5704117"/>
-              <a:gd name="connsiteY3" fmla="*/ 1054328 h 6096000"/>
-              <a:gd name="connsiteX4" fmla="*/ 5538873 w 5704117"/>
-              <a:gd name="connsiteY4" fmla="*/ 2897564 h 6096000"/>
-              <a:gd name="connsiteX5" fmla="*/ 4442050 w 5704117"/>
-              <a:gd name="connsiteY5" fmla="*/ 4732407 h 6096000"/>
-              <a:gd name="connsiteX6" fmla="*/ 93046 w 5704117"/>
-              <a:gd name="connsiteY6" fmla="*/ 6082857 h 6096000"/>
-              <a:gd name="connsiteX7" fmla="*/ 0 w 5704117"/>
-              <a:gd name="connsiteY7" fmla="*/ 6078450 h 6096000"/>
-              <a:gd name="connsiteX0" fmla="*/ 4562795 w 5704117"/>
-              <a:gd name="connsiteY0" fmla="*/ 0 h 6096000"/>
-              <a:gd name="connsiteX1" fmla="*/ 4721192 w 5704117"/>
-              <a:gd name="connsiteY1" fmla="*/ 133595 h 6096000"/>
-              <a:gd name="connsiteX2" fmla="*/ 5467522 w 5704117"/>
-              <a:gd name="connsiteY2" fmla="*/ 1054328 h 6096000"/>
-              <a:gd name="connsiteX3" fmla="*/ 5538873 w 5704117"/>
-              <a:gd name="connsiteY3" fmla="*/ 2897564 h 6096000"/>
-              <a:gd name="connsiteX4" fmla="*/ 4442050 w 5704117"/>
-              <a:gd name="connsiteY4" fmla="*/ 4732407 h 6096000"/>
-              <a:gd name="connsiteX5" fmla="*/ 93046 w 5704117"/>
-              <a:gd name="connsiteY5" fmla="*/ 6082857 h 6096000"/>
-              <a:gd name="connsiteX6" fmla="*/ 0 w 5704117"/>
-              <a:gd name="connsiteY6" fmla="*/ 6078450 h 6096000"/>
-              <a:gd name="connsiteX7" fmla="*/ 91440 w 5704117"/>
-              <a:gd name="connsiteY7" fmla="*/ 91440 h 6096000"/>
-              <a:gd name="connsiteX0" fmla="*/ 4562795 w 5704117"/>
-              <a:gd name="connsiteY0" fmla="*/ 0 h 6096000"/>
-              <a:gd name="connsiteX1" fmla="*/ 4721192 w 5704117"/>
-              <a:gd name="connsiteY1" fmla="*/ 133595 h 6096000"/>
-              <a:gd name="connsiteX2" fmla="*/ 5467522 w 5704117"/>
-              <a:gd name="connsiteY2" fmla="*/ 1054328 h 6096000"/>
-              <a:gd name="connsiteX3" fmla="*/ 5538873 w 5704117"/>
-              <a:gd name="connsiteY3" fmla="*/ 2897564 h 6096000"/>
-              <a:gd name="connsiteX4" fmla="*/ 4442050 w 5704117"/>
-              <a:gd name="connsiteY4" fmla="*/ 4732407 h 6096000"/>
-              <a:gd name="connsiteX5" fmla="*/ 93046 w 5704117"/>
-              <a:gd name="connsiteY5" fmla="*/ 6082857 h 6096000"/>
-              <a:gd name="connsiteX6" fmla="*/ 0 w 5704117"/>
-              <a:gd name="connsiteY6" fmla="*/ 6078450 h 6096000"/>
+              <a:gd name="connsiteX0" fmla="*/ 1829804 w 3045183"/>
+              <a:gd name="connsiteY0" fmla="*/ 1297 h 1999293"/>
+              <a:gd name="connsiteX1" fmla="*/ 2488053 w 3045183"/>
+              <a:gd name="connsiteY1" fmla="*/ 117738 h 1999293"/>
+              <a:gd name="connsiteX2" fmla="*/ 2939275 w 3045183"/>
+              <a:gd name="connsiteY2" fmla="*/ 987763 h 1999293"/>
+              <a:gd name="connsiteX3" fmla="*/ 455242 w 3045183"/>
+              <a:gd name="connsiteY3" fmla="*/ 1950219 h 1999293"/>
+              <a:gd name="connsiteX4" fmla="*/ 6116 w 3045183"/>
+              <a:gd name="connsiteY4" fmla="*/ 1264125 h 1999293"/>
+              <a:gd name="connsiteX5" fmla="*/ 776586 w 3045183"/>
+              <a:gd name="connsiteY5" fmla="*/ 254521 h 1999293"/>
+              <a:gd name="connsiteX6" fmla="*/ 1596811 w 3045183"/>
+              <a:gd name="connsiteY6" fmla="*/ 4800 h 1999293"/>
+              <a:gd name="connsiteX7" fmla="*/ 1829804 w 3045183"/>
+              <a:gd name="connsiteY7" fmla="*/ 1297 h 1999293"/>
             </a:gdLst>
             <a:ahLst/>
             <a:cxnLst>
@@ -6265,39 +6551,321 @@
               <a:cxn ang="0">
                 <a:pos x="connsiteX6" y="connsiteY6"/>
               </a:cxn>
+              <a:cxn ang="0">
+                <a:pos x="connsiteX7" y="connsiteY7"/>
+              </a:cxn>
             </a:cxnLst>
             <a:rect l="l" t="t" r="r" b="b"/>
             <a:pathLst>
-              <a:path w="5704117" h="6096000">
+              <a:path w="3045183" h="1999293">
                 <a:moveTo>
-                  <a:pt x="4562795" y="0"/>
+                  <a:pt x="1829804" y="1297"/>
+                </a:moveTo>
+                <a:cubicBezTo>
+                  <a:pt x="2062772" y="8825"/>
+                  <a:pt x="2292294" y="48997"/>
+                  <a:pt x="2488053" y="117738"/>
+                </a:cubicBezTo>
+                <a:cubicBezTo>
+                  <a:pt x="2935499" y="274993"/>
+                  <a:pt x="3206571" y="581130"/>
+                  <a:pt x="2939275" y="987763"/>
+                </a:cubicBezTo>
+                <a:cubicBezTo>
+                  <a:pt x="2631337" y="1455807"/>
+                  <a:pt x="1188429" y="2197114"/>
+                  <a:pt x="455242" y="1950219"/>
+                </a:cubicBezTo>
+                <a:cubicBezTo>
+                  <a:pt x="121331" y="1837629"/>
+                  <a:pt x="-33686" y="1534283"/>
+                  <a:pt x="6116" y="1264125"/>
+                </a:cubicBezTo>
+                <a:cubicBezTo>
+                  <a:pt x="61838" y="885715"/>
+                  <a:pt x="409996" y="512893"/>
+                  <a:pt x="776586" y="254521"/>
+                </a:cubicBezTo>
+                <a:cubicBezTo>
+                  <a:pt x="990262" y="104400"/>
+                  <a:pt x="1287616" y="24377"/>
+                  <a:pt x="1596811" y="4800"/>
+                </a:cubicBezTo>
+                <a:cubicBezTo>
+                  <a:pt x="1674110" y="-95"/>
+                  <a:pt x="1752149" y="-1213"/>
+                  <a:pt x="1829804" y="1297"/>
+                </a:cubicBezTo>
+                <a:close/>
+              </a:path>
+            </a:pathLst>
+          </a:custGeom>
+          <a:solidFill>
+            <a:schemeClr val="accent6"/>
+          </a:solidFill>
+          <a:ln>
+            <a:noFill/>
+          </a:ln>
+        </p:spPr>
+        <p:style>
+          <a:lnRef idx="2">
+            <a:schemeClr val="accent1">
+              <a:shade val="50000"/>
+            </a:schemeClr>
+          </a:lnRef>
+          <a:fillRef idx="1">
+            <a:schemeClr val="accent1"/>
+          </a:fillRef>
+          <a:effectRef idx="0">
+            <a:schemeClr val="accent1"/>
+          </a:effectRef>
+          <a:fontRef idx="minor">
+            <a:schemeClr val="lt1"/>
+          </a:fontRef>
+        </p:style>
+        <p:txBody>
+          <a:bodyPr wrap="square" rtlCol="0" anchor="ctr">
+            <a:noAutofit/>
+          </a:bodyPr>
+          <a:lstStyle/>
+          <a:p>
+            <a:pPr algn="ctr"/>
+            <a:endParaRPr lang="en-US"/>
+          </a:p>
+        </p:txBody>
+      </p:sp>
+      <p:sp>
+        <p:nvSpPr>
+          <p:cNvPr id="23" name="Freeform: Shape 22">
+            <a:extLst>
+              <a:ext uri="{FF2B5EF4-FFF2-40B4-BE49-F238E27FC236}">
+                <a16:creationId xmlns:a16="http://schemas.microsoft.com/office/drawing/2014/main" id="{ED624FE3-5369-40F2-A004-87E5887D10D3}"/>
+              </a:ext>
+              <a:ext uri="{C183D7F6-B498-43B3-948B-1728B52AA6E4}">
+                <adec:decorative xmlns:adec="http://schemas.microsoft.com/office/drawing/2017/decorative" val="1"/>
+              </a:ext>
+            </a:extLst>
+          </p:cNvPr>
+          <p:cNvSpPr>
+            <a:spLocks noGrp="1" noRot="1" noChangeAspect="1" noMove="1" noResize="1" noEditPoints="1" noAdjustHandles="1" noChangeArrowheads="1" noChangeShapeType="1" noTextEdit="1"/>
+          </p:cNvSpPr>
+          <p:nvPr>
+            <p:extLst>
+              <p:ext uri="{386F3935-93C4-4BCD-93E2-E3B085C9AB24}">
+                <p16:designElem xmlns:p16="http://schemas.microsoft.com/office/powerpoint/2015/main" val="1"/>
+              </p:ext>
+            </p:extLst>
+          </p:nvPr>
+        </p:nvSpPr>
+        <p:spPr>
+          <a:xfrm>
+            <a:off x="5214586" y="1162050"/>
+            <a:ext cx="4580366" cy="5700398"/>
+          </a:xfrm>
+          <a:custGeom>
+            <a:avLst/>
+            <a:gdLst>
+              <a:gd name="connsiteX0" fmla="*/ 3173139 w 4448352"/>
+              <a:gd name="connsiteY0" fmla="*/ 74 h 6025492"/>
+              <a:gd name="connsiteX1" fmla="*/ 3840337 w 4448352"/>
+              <a:gd name="connsiteY1" fmla="*/ 136997 h 6025492"/>
+              <a:gd name="connsiteX2" fmla="*/ 4400480 w 4448352"/>
+              <a:gd name="connsiteY2" fmla="*/ 1061406 h 6025492"/>
+              <a:gd name="connsiteX3" fmla="*/ 3812207 w 4448352"/>
+              <a:gd name="connsiteY3" fmla="*/ 2268177 h 6025492"/>
+              <a:gd name="connsiteX4" fmla="*/ 2566852 w 4448352"/>
+              <a:gd name="connsiteY4" fmla="*/ 4362395 h 6025492"/>
+              <a:gd name="connsiteX5" fmla="*/ 1381603 w 4448352"/>
+              <a:gd name="connsiteY5" fmla="*/ 6002073 h 6025492"/>
+              <a:gd name="connsiteX6" fmla="*/ 1358105 w 4448352"/>
+              <a:gd name="connsiteY6" fmla="*/ 6025492 h 6025492"/>
+              <a:gd name="connsiteX7" fmla="*/ 147593 w 4448352"/>
+              <a:gd name="connsiteY7" fmla="*/ 6025492 h 6025492"/>
+              <a:gd name="connsiteX8" fmla="*/ 135095 w 4448352"/>
+              <a:gd name="connsiteY8" fmla="*/ 5970139 h 6025492"/>
+              <a:gd name="connsiteX9" fmla="*/ 989 w 4448352"/>
+              <a:gd name="connsiteY9" fmla="*/ 3558990 h 6025492"/>
+              <a:gd name="connsiteX10" fmla="*/ 134613 w 4448352"/>
+              <a:gd name="connsiteY10" fmla="*/ 2769335 h 6025492"/>
+              <a:gd name="connsiteX11" fmla="*/ 812398 w 4448352"/>
+              <a:gd name="connsiteY11" fmla="*/ 1669996 h 6025492"/>
+              <a:gd name="connsiteX12" fmla="*/ 1830565 w 4448352"/>
+              <a:gd name="connsiteY12" fmla="*/ 638164 h 6025492"/>
+              <a:gd name="connsiteX13" fmla="*/ 3173139 w 4448352"/>
+              <a:gd name="connsiteY13" fmla="*/ 74 h 6025492"/>
+              <a:gd name="connsiteX0" fmla="*/ 147593 w 4448352"/>
+              <a:gd name="connsiteY0" fmla="*/ 6025492 h 6112608"/>
+              <a:gd name="connsiteX1" fmla="*/ 135095 w 4448352"/>
+              <a:gd name="connsiteY1" fmla="*/ 5970139 h 6112608"/>
+              <a:gd name="connsiteX2" fmla="*/ 989 w 4448352"/>
+              <a:gd name="connsiteY2" fmla="*/ 3558990 h 6112608"/>
+              <a:gd name="connsiteX3" fmla="*/ 134613 w 4448352"/>
+              <a:gd name="connsiteY3" fmla="*/ 2769335 h 6112608"/>
+              <a:gd name="connsiteX4" fmla="*/ 812398 w 4448352"/>
+              <a:gd name="connsiteY4" fmla="*/ 1669996 h 6112608"/>
+              <a:gd name="connsiteX5" fmla="*/ 1830565 w 4448352"/>
+              <a:gd name="connsiteY5" fmla="*/ 638164 h 6112608"/>
+              <a:gd name="connsiteX6" fmla="*/ 3173139 w 4448352"/>
+              <a:gd name="connsiteY6" fmla="*/ 74 h 6112608"/>
+              <a:gd name="connsiteX7" fmla="*/ 3840337 w 4448352"/>
+              <a:gd name="connsiteY7" fmla="*/ 136997 h 6112608"/>
+              <a:gd name="connsiteX8" fmla="*/ 4400480 w 4448352"/>
+              <a:gd name="connsiteY8" fmla="*/ 1061406 h 6112608"/>
+              <a:gd name="connsiteX9" fmla="*/ 3812207 w 4448352"/>
+              <a:gd name="connsiteY9" fmla="*/ 2268177 h 6112608"/>
+              <a:gd name="connsiteX10" fmla="*/ 2566852 w 4448352"/>
+              <a:gd name="connsiteY10" fmla="*/ 4362395 h 6112608"/>
+              <a:gd name="connsiteX11" fmla="*/ 1381603 w 4448352"/>
+              <a:gd name="connsiteY11" fmla="*/ 6002073 h 6112608"/>
+              <a:gd name="connsiteX12" fmla="*/ 1457187 w 4448352"/>
+              <a:gd name="connsiteY12" fmla="*/ 6112608 h 6112608"/>
+              <a:gd name="connsiteX0" fmla="*/ 147593 w 4448352"/>
+              <a:gd name="connsiteY0" fmla="*/ 6025492 h 6025492"/>
+              <a:gd name="connsiteX1" fmla="*/ 135095 w 4448352"/>
+              <a:gd name="connsiteY1" fmla="*/ 5970139 h 6025492"/>
+              <a:gd name="connsiteX2" fmla="*/ 989 w 4448352"/>
+              <a:gd name="connsiteY2" fmla="*/ 3558990 h 6025492"/>
+              <a:gd name="connsiteX3" fmla="*/ 134613 w 4448352"/>
+              <a:gd name="connsiteY3" fmla="*/ 2769335 h 6025492"/>
+              <a:gd name="connsiteX4" fmla="*/ 812398 w 4448352"/>
+              <a:gd name="connsiteY4" fmla="*/ 1669996 h 6025492"/>
+              <a:gd name="connsiteX5" fmla="*/ 1830565 w 4448352"/>
+              <a:gd name="connsiteY5" fmla="*/ 638164 h 6025492"/>
+              <a:gd name="connsiteX6" fmla="*/ 3173139 w 4448352"/>
+              <a:gd name="connsiteY6" fmla="*/ 74 h 6025492"/>
+              <a:gd name="connsiteX7" fmla="*/ 3840337 w 4448352"/>
+              <a:gd name="connsiteY7" fmla="*/ 136997 h 6025492"/>
+              <a:gd name="connsiteX8" fmla="*/ 4400480 w 4448352"/>
+              <a:gd name="connsiteY8" fmla="*/ 1061406 h 6025492"/>
+              <a:gd name="connsiteX9" fmla="*/ 3812207 w 4448352"/>
+              <a:gd name="connsiteY9" fmla="*/ 2268177 h 6025492"/>
+              <a:gd name="connsiteX10" fmla="*/ 2566852 w 4448352"/>
+              <a:gd name="connsiteY10" fmla="*/ 4362395 h 6025492"/>
+              <a:gd name="connsiteX11" fmla="*/ 1381603 w 4448352"/>
+              <a:gd name="connsiteY11" fmla="*/ 6002073 h 6025492"/>
+              <a:gd name="connsiteX0" fmla="*/ 147593 w 4448352"/>
+              <a:gd name="connsiteY0" fmla="*/ 6025492 h 6029730"/>
+              <a:gd name="connsiteX1" fmla="*/ 135095 w 4448352"/>
+              <a:gd name="connsiteY1" fmla="*/ 5970139 h 6029730"/>
+              <a:gd name="connsiteX2" fmla="*/ 989 w 4448352"/>
+              <a:gd name="connsiteY2" fmla="*/ 3558990 h 6029730"/>
+              <a:gd name="connsiteX3" fmla="*/ 134613 w 4448352"/>
+              <a:gd name="connsiteY3" fmla="*/ 2769335 h 6029730"/>
+              <a:gd name="connsiteX4" fmla="*/ 812398 w 4448352"/>
+              <a:gd name="connsiteY4" fmla="*/ 1669996 h 6029730"/>
+              <a:gd name="connsiteX5" fmla="*/ 1830565 w 4448352"/>
+              <a:gd name="connsiteY5" fmla="*/ 638164 h 6029730"/>
+              <a:gd name="connsiteX6" fmla="*/ 3173139 w 4448352"/>
+              <a:gd name="connsiteY6" fmla="*/ 74 h 6029730"/>
+              <a:gd name="connsiteX7" fmla="*/ 3840337 w 4448352"/>
+              <a:gd name="connsiteY7" fmla="*/ 136997 h 6029730"/>
+              <a:gd name="connsiteX8" fmla="*/ 4400480 w 4448352"/>
+              <a:gd name="connsiteY8" fmla="*/ 1061406 h 6029730"/>
+              <a:gd name="connsiteX9" fmla="*/ 3812207 w 4448352"/>
+              <a:gd name="connsiteY9" fmla="*/ 2268177 h 6029730"/>
+              <a:gd name="connsiteX10" fmla="*/ 2566852 w 4448352"/>
+              <a:gd name="connsiteY10" fmla="*/ 4362395 h 6029730"/>
+              <a:gd name="connsiteX11" fmla="*/ 1397330 w 4448352"/>
+              <a:gd name="connsiteY11" fmla="*/ 6029730 h 6029730"/>
+            </a:gdLst>
+            <a:ahLst/>
+            <a:cxnLst>
+              <a:cxn ang="0">
+                <a:pos x="connsiteX0" y="connsiteY0"/>
+              </a:cxn>
+              <a:cxn ang="0">
+                <a:pos x="connsiteX1" y="connsiteY1"/>
+              </a:cxn>
+              <a:cxn ang="0">
+                <a:pos x="connsiteX2" y="connsiteY2"/>
+              </a:cxn>
+              <a:cxn ang="0">
+                <a:pos x="connsiteX3" y="connsiteY3"/>
+              </a:cxn>
+              <a:cxn ang="0">
+                <a:pos x="connsiteX4" y="connsiteY4"/>
+              </a:cxn>
+              <a:cxn ang="0">
+                <a:pos x="connsiteX5" y="connsiteY5"/>
+              </a:cxn>
+              <a:cxn ang="0">
+                <a:pos x="connsiteX6" y="connsiteY6"/>
+              </a:cxn>
+              <a:cxn ang="0">
+                <a:pos x="connsiteX7" y="connsiteY7"/>
+              </a:cxn>
+              <a:cxn ang="0">
+                <a:pos x="connsiteX8" y="connsiteY8"/>
+              </a:cxn>
+              <a:cxn ang="0">
+                <a:pos x="connsiteX9" y="connsiteY9"/>
+              </a:cxn>
+              <a:cxn ang="0">
+                <a:pos x="connsiteX10" y="connsiteY10"/>
+              </a:cxn>
+              <a:cxn ang="0">
+                <a:pos x="connsiteX11" y="connsiteY11"/>
+              </a:cxn>
+            </a:cxnLst>
+            <a:rect l="l" t="t" r="r" b="b"/>
+            <a:pathLst>
+              <a:path w="4448352" h="6029730">
+                <a:moveTo>
+                  <a:pt x="147593" y="6025492"/>
                 </a:moveTo>
                 <a:lnTo>
-                  <a:pt x="4721192" y="133595"/>
+                  <a:pt x="135095" y="5970139"/>
                 </a:lnTo>
                 <a:cubicBezTo>
-                  <a:pt x="5067135" y="440105"/>
-                  <a:pt x="5309779" y="747048"/>
-                  <a:pt x="5467522" y="1054328"/>
+                  <a:pt x="3334" y="5264474"/>
+                  <a:pt x="25734" y="4338079"/>
+                  <a:pt x="989" y="3558990"/>
                 </a:cubicBezTo>
                 <a:cubicBezTo>
-                  <a:pt x="5782917" y="1668625"/>
-                  <a:pt x="5758242" y="2283795"/>
-                  <a:pt x="5538873" y="2897564"/>
+                  <a:pt x="-7696" y="3286585"/>
+                  <a:pt x="41149" y="3024098"/>
+                  <a:pt x="134613" y="2769335"/>
                 </a:cubicBezTo>
                 <a:cubicBezTo>
-                  <a:pt x="5319500" y="3511334"/>
-                  <a:pt x="4905433" y="4123706"/>
-                  <a:pt x="4442050" y="4732407"/>
+                  <a:pt x="274734" y="2387350"/>
+                  <a:pt x="515201" y="2023048"/>
+                  <a:pt x="812398" y="1669996"/>
                 </a:cubicBezTo>
                 <a:cubicBezTo>
-                  <a:pt x="3499930" y="5970384"/>
-                  <a:pt x="1925433" y="6153690"/>
-                  <a:pt x="93046" y="6082857"/>
+                  <a:pt x="1109596" y="1316945"/>
+                  <a:pt x="1463524" y="975145"/>
+                  <a:pt x="1830565" y="638164"/>
                 </a:cubicBezTo>
-                <a:lnTo>
-                  <a:pt x="0" y="6078450"/>
-                </a:lnTo>
+                <a:cubicBezTo>
+                  <a:pt x="2363706" y="148617"/>
+                  <a:pt x="2787743" y="-3847"/>
+                  <a:pt x="3173139" y="74"/>
+                </a:cubicBezTo>
+                <a:cubicBezTo>
+                  <a:pt x="3404376" y="2427"/>
+                  <a:pt x="3621702" y="61078"/>
+                  <a:pt x="3840337" y="136997"/>
+                </a:cubicBezTo>
+                <a:cubicBezTo>
+                  <a:pt x="4230681" y="272614"/>
+                  <a:pt x="4578505" y="404218"/>
+                  <a:pt x="4400480" y="1061406"/>
+                </a:cubicBezTo>
+                <a:cubicBezTo>
+                  <a:pt x="4294008" y="1454598"/>
+                  <a:pt x="4050152" y="1868133"/>
+                  <a:pt x="3812207" y="2268177"/>
+                </a:cubicBezTo>
+                <a:cubicBezTo>
+                  <a:pt x="3397089" y="2966250"/>
+                  <a:pt x="2969331" y="3735470"/>
+                  <a:pt x="2566852" y="4362395"/>
+                </a:cubicBezTo>
+                <a:cubicBezTo>
+                  <a:pt x="2164373" y="4989320"/>
+                  <a:pt x="1829370" y="5570322"/>
+                  <a:pt x="1397330" y="6029730"/>
+                </a:cubicBezTo>
               </a:path>
             </a:pathLst>
           </a:custGeom>
@@ -6345,101 +6913,104 @@
       </p:sp>
       <p:sp>
         <p:nvSpPr>
-          <p:cNvPr id="3" name="Content Placeholder 2">
-            <a:extLst>
-              <a:ext uri="{FF2B5EF4-FFF2-40B4-BE49-F238E27FC236}">
-                <a16:creationId xmlns:a16="http://schemas.microsoft.com/office/drawing/2014/main" id="{10C93D3F-978D-A34D-EA73-C78AE5145125}"/>
-              </a:ext>
-            </a:extLst>
-          </p:cNvPr>
-          <p:cNvSpPr>
-            <a:spLocks noGrp="1"/>
-          </p:cNvSpPr>
-          <p:nvPr>
-            <p:ph idx="1"/>
+          <p:cNvPr id="2" name="Title 1">
+            <a:extLst>
+              <a:ext uri="{FF2B5EF4-FFF2-40B4-BE49-F238E27FC236}">
+                <a16:creationId xmlns:a16="http://schemas.microsoft.com/office/drawing/2014/main" id="{DB333B40-5078-F618-7D05-6C345DA39BAD}"/>
+              </a:ext>
+            </a:extLst>
+          </p:cNvPr>
+          <p:cNvSpPr>
+            <a:spLocks noGrp="1"/>
+          </p:cNvSpPr>
+          <p:nvPr>
+            <p:ph type="title"/>
           </p:nvPr>
         </p:nvSpPr>
         <p:spPr>
           <a:xfrm>
-            <a:off x="762000" y="2286000"/>
-            <a:ext cx="5334000" cy="3810001"/>
+            <a:off x="762000" y="1532083"/>
+            <a:ext cx="4452586" cy="1524000"/>
           </a:xfrm>
         </p:spPr>
         <p:txBody>
-          <a:bodyPr>
+          <a:bodyPr anchor="t">
             <a:normAutofit/>
           </a:bodyPr>
           <a:lstStyle/>
           <a:p>
-            <a:pPr marL="0" indent="0">
-              <a:buNone/>
-            </a:pPr>
-            <a:r>
-              <a:rPr lang="en-US" sz="2400" dirty="0"/>
-              <a:t>Ultimately, Once running the Application using:</a:t>
-            </a:r>
-          </a:p>
-          <a:p>
-            <a:pPr marL="0" indent="0">
-              <a:buNone/>
-            </a:pPr>
-            <a:r>
-              <a:rPr lang="en-US" sz="2400" dirty="0"/>
-              <a:t>flask –app main run</a:t>
-            </a:r>
-          </a:p>
-          <a:p>
-            <a:pPr marL="0" indent="0">
-              <a:buNone/>
-            </a:pPr>
-            <a:r>
-              <a:rPr lang="en-US" sz="2400" dirty="0"/>
-              <a:t>And  then clicking the link you are then sent to Our home page and able to navigate around to each building.</a:t>
-            </a:r>
-          </a:p>
-          <a:p>
-            <a:pPr marL="0" indent="0">
-              <a:buNone/>
-            </a:pPr>
-            <a:endParaRPr lang="en-US" sz="2400" dirty="0"/>
-          </a:p>
-        </p:txBody>
-      </p:sp>
-      <p:sp>
-        <p:nvSpPr>
-          <p:cNvPr id="2" name="Title 1">
-            <a:extLst>
-              <a:ext uri="{FF2B5EF4-FFF2-40B4-BE49-F238E27FC236}">
-                <a16:creationId xmlns:a16="http://schemas.microsoft.com/office/drawing/2014/main" id="{DB333B40-5078-F618-7D05-6C345DA39BAD}"/>
-              </a:ext>
-            </a:extLst>
-          </p:cNvPr>
-          <p:cNvSpPr>
-            <a:spLocks noGrp="1"/>
-          </p:cNvSpPr>
-          <p:nvPr>
-            <p:ph type="title"/>
-          </p:nvPr>
-        </p:nvSpPr>
+            <a:r>
+              <a:rPr lang="en-US" sz="3200" dirty="0"/>
+              <a:t>Website</a:t>
+            </a:r>
+          </a:p>
+        </p:txBody>
+      </p:sp>
+      <p:pic>
+        <p:nvPicPr>
+          <p:cNvPr id="5" name="Picture 4">
+            <a:extLst>
+              <a:ext uri="{FF2B5EF4-FFF2-40B4-BE49-F238E27FC236}">
+                <a16:creationId xmlns:a16="http://schemas.microsoft.com/office/drawing/2014/main" id="{3C52F6C3-8567-0861-AC9F-D75CF10E55E3}"/>
+              </a:ext>
+            </a:extLst>
+          </p:cNvPr>
+          <p:cNvPicPr>
+            <a:picLocks noChangeAspect="1"/>
+          </p:cNvPicPr>
+          <p:nvPr/>
+        </p:nvPicPr>
+        <p:blipFill rotWithShape="1">
+          <a:blip r:embed="rId2"/>
+          <a:srcRect l="815" r="3534" b="3"/>
+          <a:stretch/>
+        </p:blipFill>
         <p:spPr>
           <a:xfrm>
-            <a:off x="762000" y="762000"/>
-            <a:ext cx="5334000" cy="1524000"/>
+            <a:off x="5476014" y="1511237"/>
+            <a:ext cx="3525970" cy="3810001"/>
           </a:xfrm>
+          <a:prstGeom prst="rect">
+            <a:avLst/>
+          </a:prstGeom>
         </p:spPr>
-        <p:txBody>
-          <a:bodyPr>
-            <a:normAutofit/>
-          </a:bodyPr>
-          <a:lstStyle/>
-          <a:p>
-            <a:r>
-              <a:rPr lang="en-US" sz="3200"/>
-              <a:t>Website</a:t>
-            </a:r>
-          </a:p>
-        </p:txBody>
-      </p:sp>
+      </p:pic>
+      <p:pic>
+        <p:nvPicPr>
+          <p:cNvPr id="6" name="Picture 5" descr="Diagram&#10;&#10;Description automatically generated">
+            <a:extLst>
+              <a:ext uri="{FF2B5EF4-FFF2-40B4-BE49-F238E27FC236}">
+                <a16:creationId xmlns:a16="http://schemas.microsoft.com/office/drawing/2014/main" id="{9C1A4B9E-09D7-186B-1A6E-257EB757616E}"/>
+              </a:ext>
+            </a:extLst>
+          </p:cNvPr>
+          <p:cNvPicPr>
+            <a:picLocks noChangeAspect="1"/>
+          </p:cNvPicPr>
+          <p:nvPr/>
+        </p:nvPicPr>
+        <p:blipFill>
+          <a:blip r:embed="rId3">
+            <a:extLst>
+              <a:ext uri="{28A0092B-C50C-407E-A947-70E740481C1C}">
+                <a14:useLocalDpi xmlns:a14="http://schemas.microsoft.com/office/drawing/2010/main" val="0"/>
+              </a:ext>
+            </a:extLst>
+          </a:blip>
+          <a:stretch>
+            <a:fillRect/>
+          </a:stretch>
+        </p:blipFill>
+        <p:spPr>
+          <a:xfrm>
+            <a:off x="9415464" y="3810000"/>
+            <a:ext cx="1743075" cy="2286001"/>
+          </a:xfrm>
+          <a:prstGeom prst="rect">
+            <a:avLst/>
+          </a:prstGeom>
+        </p:spPr>
+      </p:pic>
     </p:spTree>
     <p:extLst>
       <p:ext uri="{BB962C8B-B14F-4D97-AF65-F5344CB8AC3E}">
